--- a/notebook/演示文稿3.pptx
+++ b/notebook/演示文稿3.pptx
@@ -3801,7 +3801,11 @@
           <a:bodyPr/>
           <a:lstStyle/>
           <a:p>
-            <a:endParaRPr kumimoji="1" lang="zh-CN" altLang="en-US"/>
+            <a:r>
+              <a:rPr kumimoji="1" lang="zh-CN" altLang="en-US" dirty="0" smtClean="0"/>
+              <a:t>图片</a:t>
+            </a:r>
+            <a:endParaRPr kumimoji="1" lang="zh-CN" altLang="en-US" dirty="0"/>
           </a:p>
         </p:txBody>
       </p:sp>
@@ -3835,6 +3839,111 @@
           <a:chExt cx="0" cy="0"/>
         </a:xfrm>
       </p:grpSpPr>
+      <p:pic>
+        <p:nvPicPr>
+          <p:cNvPr id="4" name="图片 3"/>
+          <p:cNvPicPr>
+            <a:picLocks noChangeAspect="1"/>
+          </p:cNvPicPr>
+          <p:nvPr/>
+        </p:nvPicPr>
+        <p:blipFill>
+          <a:blip r:embed="rId2"/>
+          <a:stretch>
+            <a:fillRect/>
+          </a:stretch>
+        </p:blipFill>
+        <p:spPr>
+          <a:xfrm>
+            <a:off x="-2590800" y="438150"/>
+            <a:ext cx="3463174" cy="4343400"/>
+          </a:xfrm>
+          <a:prstGeom prst="rect">
+            <a:avLst/>
+          </a:prstGeom>
+        </p:spPr>
+      </p:pic>
+      <p:pic>
+        <p:nvPicPr>
+          <p:cNvPr id="5" name="图片 4"/>
+          <p:cNvPicPr>
+            <a:picLocks noChangeAspect="1"/>
+          </p:cNvPicPr>
+          <p:nvPr/>
+        </p:nvPicPr>
+        <p:blipFill rotWithShape="1">
+          <a:blip r:embed="rId3"/>
+          <a:srcRect l="10231" r="9889"/>
+          <a:stretch/>
+        </p:blipFill>
+        <p:spPr>
+          <a:xfrm>
+            <a:off x="1676400" y="666750"/>
+            <a:ext cx="3360056" cy="4206392"/>
+          </a:xfrm>
+          <a:prstGeom prst="rect">
+            <a:avLst/>
+          </a:prstGeom>
+        </p:spPr>
+      </p:pic>
+      <p:pic>
+        <p:nvPicPr>
+          <p:cNvPr id="6" name="图片 5"/>
+          <p:cNvPicPr>
+            <a:picLocks noChangeAspect="1"/>
+          </p:cNvPicPr>
+          <p:nvPr/>
+        </p:nvPicPr>
+        <p:blipFill rotWithShape="1">
+          <a:blip r:embed="rId4"/>
+          <a:srcRect l="14614" t="7486" r="7688" b="6077"/>
+          <a:stretch/>
+        </p:blipFill>
+        <p:spPr>
+          <a:xfrm>
+            <a:off x="5791200" y="666750"/>
+            <a:ext cx="3924192" cy="4268802"/>
+          </a:xfrm>
+          <a:prstGeom prst="rect">
+            <a:avLst/>
+          </a:prstGeom>
+        </p:spPr>
+      </p:pic>
+      <p:pic>
+        <p:nvPicPr>
+          <p:cNvPr id="7" name="图片 6"/>
+          <p:cNvPicPr>
+            <a:picLocks noChangeAspect="1"/>
+          </p:cNvPicPr>
+          <p:nvPr/>
+        </p:nvPicPr>
+        <p:blipFill rotWithShape="1">
+          <a:blip r:embed="rId5">
+            <a:extLst>
+              <a:ext uri="{BEBA8EAE-BF5A-486C-A8C5-ECC9F3942E4B}">
+                <a14:imgProps xmlns:a14="http://schemas.microsoft.com/office/drawing/2010/main">
+                  <a14:imgLayer r:embed="rId6">
+                    <a14:imgEffect>
+                      <a14:backgroundRemoval t="800" b="99000" l="8000" r="77000"/>
+                    </a14:imgEffect>
+                  </a14:imgLayer>
+                </a14:imgProps>
+              </a:ext>
+            </a:extLst>
+          </a:blip>
+          <a:srcRect l="8310" r="23652"/>
+          <a:stretch/>
+        </p:blipFill>
+        <p:spPr>
+          <a:xfrm>
+            <a:off x="8534400" y="358824"/>
+            <a:ext cx="3200400" cy="4703870"/>
+          </a:xfrm>
+          <a:prstGeom prst="rect">
+            <a:avLst/>
+          </a:prstGeom>
+        </p:spPr>
+      </p:pic>
     </p:spTree>
     <p:extLst>
       <p:ext uri="{BB962C8B-B14F-4D97-AF65-F5344CB8AC3E}">

--- a/notebook/演示文稿3.pptx
+++ b/notebook/演示文稿3.pptx
@@ -5,11 +5,13 @@
     <p:sldMasterId id="2147483648" r:id="rId1"/>
   </p:sldMasterIdLst>
   <p:notesMasterIdLst>
-    <p:notesMasterId r:id="rId4"/>
+    <p:notesMasterId r:id="rId6"/>
   </p:notesMasterIdLst>
   <p:sldIdLst>
     <p:sldId id="256" r:id="rId2"/>
     <p:sldId id="257" r:id="rId3"/>
+    <p:sldId id="258" r:id="rId4"/>
+    <p:sldId id="259" r:id="rId5"/>
   </p:sldIdLst>
   <p:sldSz cx="9144000" cy="5143500" type="screen16x9"/>
   <p:notesSz cx="6858000" cy="9144000"/>
@@ -194,7 +196,7 @@
             <a:fld id="{A8ADFD5B-A66C-449C-B6E8-FB716D07777D}" type="datetimeFigureOut">
               <a:rPr lang="en-US" smtClean="0"/>
               <a:pPr/>
-              <a:t>20/5/15</a:t>
+              <a:t>20/5/24</a:t>
             </a:fld>
             <a:endParaRPr lang="en-US"/>
           </a:p>
@@ -745,7 +747,7 @@
                 </a:solidFill>
               </a:rPr>
               <a:pPr algn="ctr"/>
-              <a:t>20/5/15</a:t>
+              <a:t>20/5/24</a:t>
             </a:fld>
             <a:endParaRPr kumimoji="0" lang="en-US" sz="2000" dirty="0">
               <a:solidFill>
@@ -944,7 +946,7 @@
             <a:fld id="{E4606EA6-EFEA-4C30-9264-4F9291A5780D}" type="datetime1">
               <a:rPr kumimoji="0" lang="en-US" smtClean="0"/>
               <a:pPr/>
-              <a:t>20/5/15</a:t>
+              <a:t>20/5/24</a:t>
             </a:fld>
             <a:endParaRPr kumimoji="0" lang="en-US"/>
           </a:p>
@@ -1375,7 +1377,7 @@
             <a:fld id="{6FCF9F07-3BC7-4570-B054-79111B0A380C}" type="datetime1">
               <a:rPr kumimoji="0" lang="en-US" smtClean="0"/>
               <a:pPr/>
-              <a:t>20/5/15</a:t>
+              <a:t>20/5/24</a:t>
             </a:fld>
             <a:endParaRPr kumimoji="0" lang="en-US"/>
           </a:p>
@@ -1640,7 +1642,7 @@
             <a:fld id="{E4606EA6-EFEA-4C30-9264-4F9291A5780D}" type="datetime1">
               <a:rPr kumimoji="0" lang="en-US" smtClean="0"/>
               <a:pPr/>
-              <a:t>20/5/15</a:t>
+              <a:t>20/5/24</a:t>
             </a:fld>
             <a:endParaRPr kumimoji="0" lang="en-US"/>
           </a:p>
@@ -1895,7 +1897,7 @@
             <a:fld id="{E4606EA6-EFEA-4C30-9264-4F9291A5780D}" type="datetime1">
               <a:rPr kumimoji="0" lang="en-US" smtClean="0"/>
               <a:pPr/>
-              <a:t>20/5/15</a:t>
+              <a:t>20/5/24</a:t>
             </a:fld>
             <a:endParaRPr kumimoji="0" lang="en-US"/>
           </a:p>
@@ -2108,7 +2110,7 @@
             <a:fld id="{6DFADB5D-B7A0-47E3-AD2D-B1A6F8614213}" type="datetime1">
               <a:rPr kumimoji="0" lang="en-US" smtClean="0"/>
               <a:pPr/>
-              <a:t>20/5/15</a:t>
+              <a:t>20/5/24</a:t>
             </a:fld>
             <a:endParaRPr kumimoji="0" lang="en-US"/>
           </a:p>
@@ -2221,7 +2223,7 @@
             <a:fld id="{72968126-03FC-49C0-B9B8-2B561CCC3D90}" type="datetime1">
               <a:rPr kumimoji="0" lang="en-US" smtClean="0"/>
               <a:pPr/>
-              <a:t>20/5/15</a:t>
+              <a:t>20/5/24</a:t>
             </a:fld>
             <a:endParaRPr kumimoji="0" lang="en-US"/>
           </a:p>
@@ -2374,7 +2376,7 @@
             <a:fld id="{F49A8198-4617-485E-9585-4840B69DBBA6}" type="datetime1">
               <a:rPr kumimoji="0" lang="en-US" smtClean="0"/>
               <a:pPr/>
-              <a:t>20/5/15</a:t>
+              <a:t>20/5/24</a:t>
             </a:fld>
             <a:endParaRPr kumimoji="0" lang="en-US"/>
           </a:p>
@@ -2964,7 +2966,7 @@
             <a:fld id="{E4606EA6-EFEA-4C30-9264-4F9291A5780D}" type="datetime1">
               <a:rPr kumimoji="0" lang="en-US" smtClean="0"/>
               <a:pPr/>
-              <a:t>20/5/15</a:t>
+              <a:t>20/5/24</a:t>
             </a:fld>
             <a:endParaRPr kumimoji="0" lang="en-US"/>
           </a:p>
@@ -3164,7 +3166,7 @@
             <a:fld id="{E4606EA6-EFEA-4C30-9264-4F9291A5780D}" type="datetime1">
               <a:rPr kumimoji="0" lang="en-US" smtClean="0"/>
               <a:pPr/>
-              <a:t>20/5/15</a:t>
+              <a:t>20/5/24</a:t>
             </a:fld>
             <a:endParaRPr kumimoji="0" lang="en-US" sz="1400" dirty="0">
               <a:solidFill>
@@ -3779,7 +3781,9 @@
         </p:nvSpPr>
         <p:spPr/>
         <p:txBody>
-          <a:bodyPr/>
+          <a:bodyPr>
+            <a:normAutofit lnSpcReduction="10000"/>
+          </a:bodyPr>
           <a:lstStyle/>
           <a:p>
             <a:endParaRPr kumimoji="1" lang="zh-CN" altLang="en-US"/>
@@ -3948,6 +3952,2217 @@
     <p:extLst>
       <p:ext uri="{BB962C8B-B14F-4D97-AF65-F5344CB8AC3E}">
         <p14:creationId xmlns:p14="http://schemas.microsoft.com/office/powerpoint/2010/main" val="2208742317"/>
+      </p:ext>
+    </p:extLst>
+  </p:cSld>
+  <p:clrMapOvr>
+    <a:masterClrMapping/>
+  </p:clrMapOvr>
+</p:sld>
+</file>
+
+<file path=ppt/slides/slide3.xml><?xml version="1.0" encoding="utf-8"?>
+<p:sld xmlns:a="http://schemas.openxmlformats.org/drawingml/2006/main" xmlns:r="http://schemas.openxmlformats.org/officeDocument/2006/relationships" xmlns:p="http://schemas.openxmlformats.org/presentationml/2006/main">
+  <p:cSld>
+    <p:spTree>
+      <p:nvGrpSpPr>
+        <p:cNvPr id="1" name=""/>
+        <p:cNvGrpSpPr/>
+        <p:nvPr/>
+      </p:nvGrpSpPr>
+      <p:grpSpPr>
+        <a:xfrm>
+          <a:off x="0" y="0"/>
+          <a:ext cx="0" cy="0"/>
+          <a:chOff x="0" y="0"/>
+          <a:chExt cx="0" cy="0"/>
+        </a:xfrm>
+      </p:grpSpPr>
+      <p:grpSp>
+        <p:nvGrpSpPr>
+          <p:cNvPr id="13" name="组 12"/>
+          <p:cNvGrpSpPr/>
+          <p:nvPr/>
+        </p:nvGrpSpPr>
+        <p:grpSpPr>
+          <a:xfrm>
+            <a:off x="2286000" y="1809750"/>
+            <a:ext cx="5257800" cy="533400"/>
+            <a:chOff x="2286000" y="1809750"/>
+            <a:chExt cx="5257800" cy="533400"/>
+          </a:xfrm>
+        </p:grpSpPr>
+        <p:sp>
+          <p:nvSpPr>
+            <p:cNvPr id="4" name="矩形 3"/>
+            <p:cNvSpPr/>
+            <p:nvPr/>
+          </p:nvSpPr>
+          <p:spPr>
+            <a:xfrm>
+              <a:off x="2286000" y="1809750"/>
+              <a:ext cx="5257800" cy="533400"/>
+            </a:xfrm>
+            <a:prstGeom prst="rect">
+              <a:avLst/>
+            </a:prstGeom>
+          </p:spPr>
+          <p:style>
+            <a:lnRef idx="1">
+              <a:schemeClr val="accent1"/>
+            </a:lnRef>
+            <a:fillRef idx="3">
+              <a:schemeClr val="accent1"/>
+            </a:fillRef>
+            <a:effectRef idx="2">
+              <a:schemeClr val="accent1"/>
+            </a:effectRef>
+            <a:fontRef idx="minor">
+              <a:schemeClr val="lt1"/>
+            </a:fontRef>
+          </p:style>
+          <p:txBody>
+            <a:bodyPr rtlCol="0" anchor="ctr"/>
+            <a:lstStyle/>
+            <a:p>
+              <a:pPr algn="ctr"/>
+              <a:endParaRPr kumimoji="1" lang="zh-CN" altLang="en-US"/>
+            </a:p>
+          </p:txBody>
+        </p:sp>
+        <p:sp>
+          <p:nvSpPr>
+            <p:cNvPr id="5" name="圆角矩形 4"/>
+            <p:cNvSpPr/>
+            <p:nvPr/>
+          </p:nvSpPr>
+          <p:spPr>
+            <a:xfrm>
+              <a:off x="2438400" y="1962150"/>
+              <a:ext cx="838200" cy="304800"/>
+            </a:xfrm>
+            <a:prstGeom prst="roundRect">
+              <a:avLst/>
+            </a:prstGeom>
+          </p:spPr>
+          <p:style>
+            <a:lnRef idx="1">
+              <a:schemeClr val="accent3"/>
+            </a:lnRef>
+            <a:fillRef idx="3">
+              <a:schemeClr val="accent3"/>
+            </a:fillRef>
+            <a:effectRef idx="2">
+              <a:schemeClr val="accent3"/>
+            </a:effectRef>
+            <a:fontRef idx="minor">
+              <a:schemeClr val="lt1"/>
+            </a:fontRef>
+          </p:style>
+          <p:txBody>
+            <a:bodyPr rtlCol="0" anchor="ctr"/>
+            <a:lstStyle/>
+            <a:p>
+              <a:pPr algn="ctr"/>
+              <a:r>
+                <a:rPr kumimoji="1" lang="en-US" altLang="zh-CN" sz="1600" dirty="0" smtClean="0">
+                  <a:ln w="18415" cmpd="sng">
+                    <a:solidFill>
+                      <a:srgbClr val="FFFFFF"/>
+                    </a:solidFill>
+                    <a:prstDash val="solid"/>
+                  </a:ln>
+                  <a:solidFill>
+                    <a:srgbClr val="FFFFFF"/>
+                  </a:solidFill>
+                  <a:effectLst>
+                    <a:outerShdw blurRad="63500" dir="3600000" algn="tl" rotWithShape="0">
+                      <a:srgbClr val="000000">
+                        <a:alpha val="70000"/>
+                      </a:srgbClr>
+                    </a:outerShdw>
+                  </a:effectLst>
+                </a:rPr>
+                <a:t>batch1</a:t>
+              </a:r>
+              <a:endParaRPr kumimoji="1" lang="zh-CN" altLang="en-US" sz="1600" dirty="0">
+                <a:ln w="18415" cmpd="sng">
+                  <a:solidFill>
+                    <a:srgbClr val="FFFFFF"/>
+                  </a:solidFill>
+                  <a:prstDash val="solid"/>
+                </a:ln>
+                <a:solidFill>
+                  <a:srgbClr val="FFFFFF"/>
+                </a:solidFill>
+                <a:effectLst>
+                  <a:outerShdw blurRad="63500" dir="3600000" algn="tl" rotWithShape="0">
+                    <a:srgbClr val="000000">
+                      <a:alpha val="70000"/>
+                    </a:srgbClr>
+                  </a:outerShdw>
+                </a:effectLst>
+              </a:endParaRPr>
+            </a:p>
+          </p:txBody>
+        </p:sp>
+        <p:sp>
+          <p:nvSpPr>
+            <p:cNvPr id="6" name="圆角矩形 5"/>
+            <p:cNvSpPr/>
+            <p:nvPr/>
+          </p:nvSpPr>
+          <p:spPr>
+            <a:xfrm>
+              <a:off x="3429000" y="1962150"/>
+              <a:ext cx="838200" cy="304800"/>
+            </a:xfrm>
+            <a:prstGeom prst="roundRect">
+              <a:avLst/>
+            </a:prstGeom>
+          </p:spPr>
+          <p:style>
+            <a:lnRef idx="1">
+              <a:schemeClr val="accent3"/>
+            </a:lnRef>
+            <a:fillRef idx="3">
+              <a:schemeClr val="accent3"/>
+            </a:fillRef>
+            <a:effectRef idx="2">
+              <a:schemeClr val="accent3"/>
+            </a:effectRef>
+            <a:fontRef idx="minor">
+              <a:schemeClr val="lt1"/>
+            </a:fontRef>
+          </p:style>
+          <p:txBody>
+            <a:bodyPr rtlCol="0" anchor="ctr"/>
+            <a:lstStyle/>
+            <a:p>
+              <a:pPr algn="ctr"/>
+              <a:r>
+                <a:rPr kumimoji="1" lang="zh-CN" altLang="zh-CN" dirty="0" smtClean="0">
+                  <a:ln w="18415" cmpd="sng">
+                    <a:solidFill>
+                      <a:srgbClr val="FFFFFF"/>
+                    </a:solidFill>
+                    <a:prstDash val="solid"/>
+                  </a:ln>
+                  <a:solidFill>
+                    <a:srgbClr val="FFFFFF"/>
+                  </a:solidFill>
+                  <a:effectLst>
+                    <a:outerShdw blurRad="63500" dir="3600000" algn="tl" rotWithShape="0">
+                      <a:srgbClr val="000000">
+                        <a:alpha val="70000"/>
+                      </a:srgbClr>
+                    </a:outerShdw>
+                  </a:effectLst>
+                </a:rPr>
+                <a:t>b</a:t>
+              </a:r>
+              <a:r>
+                <a:rPr kumimoji="1" lang="en-US" altLang="zh-CN" dirty="0" smtClean="0">
+                  <a:ln w="18415" cmpd="sng">
+                    <a:solidFill>
+                      <a:srgbClr val="FFFFFF"/>
+                    </a:solidFill>
+                    <a:prstDash val="solid"/>
+                  </a:ln>
+                  <a:solidFill>
+                    <a:srgbClr val="FFFFFF"/>
+                  </a:solidFill>
+                  <a:effectLst>
+                    <a:outerShdw blurRad="63500" dir="3600000" algn="tl" rotWithShape="0">
+                      <a:srgbClr val="000000">
+                        <a:alpha val="70000"/>
+                      </a:srgbClr>
+                    </a:outerShdw>
+                  </a:effectLst>
+                </a:rPr>
+                <a:t>atch2</a:t>
+              </a:r>
+              <a:endParaRPr kumimoji="1" lang="zh-CN" altLang="en-US" b="1" dirty="0">
+                <a:ln w="18000">
+                  <a:solidFill>
+                    <a:schemeClr val="accent2">
+                      <a:satMod val="140000"/>
+                    </a:schemeClr>
+                  </a:solidFill>
+                  <a:prstDash val="solid"/>
+                  <a:miter lim="800000"/>
+                </a:ln>
+                <a:noFill/>
+                <a:effectLst>
+                  <a:outerShdw blurRad="25500" dist="23000" dir="7020000" algn="tl">
+                    <a:srgbClr val="000000">
+                      <a:alpha val="50000"/>
+                    </a:srgbClr>
+                  </a:outerShdw>
+                </a:effectLst>
+              </a:endParaRPr>
+            </a:p>
+          </p:txBody>
+        </p:sp>
+        <p:sp>
+          <p:nvSpPr>
+            <p:cNvPr id="10" name="圆角矩形 9"/>
+            <p:cNvSpPr/>
+            <p:nvPr/>
+          </p:nvSpPr>
+          <p:spPr>
+            <a:xfrm>
+              <a:off x="4495800" y="1962150"/>
+              <a:ext cx="838200" cy="304800"/>
+            </a:xfrm>
+            <a:prstGeom prst="roundRect">
+              <a:avLst/>
+            </a:prstGeom>
+          </p:spPr>
+          <p:style>
+            <a:lnRef idx="1">
+              <a:schemeClr val="accent3"/>
+            </a:lnRef>
+            <a:fillRef idx="3">
+              <a:schemeClr val="accent3"/>
+            </a:fillRef>
+            <a:effectRef idx="2">
+              <a:schemeClr val="accent3"/>
+            </a:effectRef>
+            <a:fontRef idx="minor">
+              <a:schemeClr val="lt1"/>
+            </a:fontRef>
+          </p:style>
+          <p:txBody>
+            <a:bodyPr rtlCol="0" anchor="ctr"/>
+            <a:lstStyle/>
+            <a:p>
+              <a:pPr algn="ctr"/>
+              <a:r>
+                <a:rPr kumimoji="1" lang="zh-CN" altLang="zh-CN" dirty="0" smtClean="0">
+                  <a:ln w="18415" cmpd="sng">
+                    <a:solidFill>
+                      <a:srgbClr val="FFFFFF"/>
+                    </a:solidFill>
+                    <a:prstDash val="solid"/>
+                  </a:ln>
+                  <a:solidFill>
+                    <a:srgbClr val="FFFFFF"/>
+                  </a:solidFill>
+                  <a:effectLst>
+                    <a:outerShdw blurRad="63500" dir="3600000" algn="tl" rotWithShape="0">
+                      <a:srgbClr val="000000">
+                        <a:alpha val="70000"/>
+                      </a:srgbClr>
+                    </a:outerShdw>
+                  </a:effectLst>
+                </a:rPr>
+                <a:t>b</a:t>
+              </a:r>
+              <a:r>
+                <a:rPr kumimoji="1" lang="en-US" altLang="zh-CN" dirty="0" smtClean="0">
+                  <a:ln w="18415" cmpd="sng">
+                    <a:solidFill>
+                      <a:srgbClr val="FFFFFF"/>
+                    </a:solidFill>
+                    <a:prstDash val="solid"/>
+                  </a:ln>
+                  <a:solidFill>
+                    <a:srgbClr val="FFFFFF"/>
+                  </a:solidFill>
+                  <a:effectLst>
+                    <a:outerShdw blurRad="63500" dir="3600000" algn="tl" rotWithShape="0">
+                      <a:srgbClr val="000000">
+                        <a:alpha val="70000"/>
+                      </a:srgbClr>
+                    </a:outerShdw>
+                  </a:effectLst>
+                </a:rPr>
+                <a:t>atch3</a:t>
+              </a:r>
+              <a:endParaRPr kumimoji="1" lang="zh-CN" altLang="en-US" b="1" dirty="0">
+                <a:ln w="18000">
+                  <a:solidFill>
+                    <a:schemeClr val="accent2">
+                      <a:satMod val="140000"/>
+                    </a:schemeClr>
+                  </a:solidFill>
+                  <a:prstDash val="solid"/>
+                  <a:miter lim="800000"/>
+                </a:ln>
+                <a:noFill/>
+                <a:effectLst>
+                  <a:outerShdw blurRad="25500" dist="23000" dir="7020000" algn="tl">
+                    <a:srgbClr val="000000">
+                      <a:alpha val="50000"/>
+                    </a:srgbClr>
+                  </a:outerShdw>
+                </a:effectLst>
+              </a:endParaRPr>
+            </a:p>
+          </p:txBody>
+        </p:sp>
+        <p:sp>
+          <p:nvSpPr>
+            <p:cNvPr id="11" name="圆角矩形 10"/>
+            <p:cNvSpPr/>
+            <p:nvPr/>
+          </p:nvSpPr>
+          <p:spPr>
+            <a:xfrm>
+              <a:off x="5486400" y="1962150"/>
+              <a:ext cx="838200" cy="304800"/>
+            </a:xfrm>
+            <a:prstGeom prst="roundRect">
+              <a:avLst/>
+            </a:prstGeom>
+          </p:spPr>
+          <p:style>
+            <a:lnRef idx="1">
+              <a:schemeClr val="accent3"/>
+            </a:lnRef>
+            <a:fillRef idx="3">
+              <a:schemeClr val="accent3"/>
+            </a:fillRef>
+            <a:effectRef idx="2">
+              <a:schemeClr val="accent3"/>
+            </a:effectRef>
+            <a:fontRef idx="minor">
+              <a:schemeClr val="lt1"/>
+            </a:fontRef>
+          </p:style>
+          <p:txBody>
+            <a:bodyPr rtlCol="0" anchor="ctr"/>
+            <a:lstStyle/>
+            <a:p>
+              <a:pPr algn="ctr"/>
+              <a:r>
+                <a:rPr kumimoji="1" lang="zh-CN" altLang="zh-CN" dirty="0" smtClean="0">
+                  <a:ln w="18415" cmpd="sng">
+                    <a:solidFill>
+                      <a:srgbClr val="FFFFFF"/>
+                    </a:solidFill>
+                    <a:prstDash val="solid"/>
+                  </a:ln>
+                  <a:solidFill>
+                    <a:srgbClr val="FFFFFF"/>
+                  </a:solidFill>
+                  <a:effectLst>
+                    <a:outerShdw blurRad="63500" dir="3600000" algn="tl" rotWithShape="0">
+                      <a:srgbClr val="000000">
+                        <a:alpha val="70000"/>
+                      </a:srgbClr>
+                    </a:outerShdw>
+                  </a:effectLst>
+                </a:rPr>
+                <a:t>b</a:t>
+              </a:r>
+              <a:r>
+                <a:rPr kumimoji="1" lang="en-US" altLang="zh-CN" dirty="0" smtClean="0">
+                  <a:ln w="18415" cmpd="sng">
+                    <a:solidFill>
+                      <a:srgbClr val="FFFFFF"/>
+                    </a:solidFill>
+                    <a:prstDash val="solid"/>
+                  </a:ln>
+                  <a:solidFill>
+                    <a:srgbClr val="FFFFFF"/>
+                  </a:solidFill>
+                  <a:effectLst>
+                    <a:outerShdw blurRad="63500" dir="3600000" algn="tl" rotWithShape="0">
+                      <a:srgbClr val="000000">
+                        <a:alpha val="70000"/>
+                      </a:srgbClr>
+                    </a:outerShdw>
+                  </a:effectLst>
+                </a:rPr>
+                <a:t>atch4</a:t>
+              </a:r>
+              <a:endParaRPr kumimoji="1" lang="zh-CN" altLang="en-US" b="1" dirty="0">
+                <a:ln w="18000">
+                  <a:solidFill>
+                    <a:schemeClr val="accent2">
+                      <a:satMod val="140000"/>
+                    </a:schemeClr>
+                  </a:solidFill>
+                  <a:prstDash val="solid"/>
+                  <a:miter lim="800000"/>
+                </a:ln>
+                <a:noFill/>
+                <a:effectLst>
+                  <a:outerShdw blurRad="25500" dist="23000" dir="7020000" algn="tl">
+                    <a:srgbClr val="000000">
+                      <a:alpha val="50000"/>
+                    </a:srgbClr>
+                  </a:outerShdw>
+                </a:effectLst>
+              </a:endParaRPr>
+            </a:p>
+          </p:txBody>
+        </p:sp>
+        <p:sp>
+          <p:nvSpPr>
+            <p:cNvPr id="12" name="圆角矩形 11"/>
+            <p:cNvSpPr/>
+            <p:nvPr/>
+          </p:nvSpPr>
+          <p:spPr>
+            <a:xfrm>
+              <a:off x="6477000" y="1962150"/>
+              <a:ext cx="838200" cy="304800"/>
+            </a:xfrm>
+            <a:prstGeom prst="roundRect">
+              <a:avLst/>
+            </a:prstGeom>
+          </p:spPr>
+          <p:style>
+            <a:lnRef idx="1">
+              <a:schemeClr val="accent3"/>
+            </a:lnRef>
+            <a:fillRef idx="3">
+              <a:schemeClr val="accent3"/>
+            </a:fillRef>
+            <a:effectRef idx="2">
+              <a:schemeClr val="accent3"/>
+            </a:effectRef>
+            <a:fontRef idx="minor">
+              <a:schemeClr val="lt1"/>
+            </a:fontRef>
+          </p:style>
+          <p:txBody>
+            <a:bodyPr rtlCol="0" anchor="ctr"/>
+            <a:lstStyle/>
+            <a:p>
+              <a:pPr algn="ctr"/>
+              <a:r>
+                <a:rPr kumimoji="1" lang="zh-CN" altLang="zh-CN" dirty="0" smtClean="0">
+                  <a:ln w="18415" cmpd="sng">
+                    <a:solidFill>
+                      <a:srgbClr val="FFFFFF"/>
+                    </a:solidFill>
+                    <a:prstDash val="solid"/>
+                  </a:ln>
+                  <a:solidFill>
+                    <a:srgbClr val="FFFFFF"/>
+                  </a:solidFill>
+                  <a:effectLst>
+                    <a:outerShdw blurRad="63500" dir="3600000" algn="tl" rotWithShape="0">
+                      <a:srgbClr val="000000">
+                        <a:alpha val="70000"/>
+                      </a:srgbClr>
+                    </a:outerShdw>
+                  </a:effectLst>
+                </a:rPr>
+                <a:t>b</a:t>
+              </a:r>
+              <a:r>
+                <a:rPr kumimoji="1" lang="en-US" altLang="zh-CN" dirty="0" smtClean="0">
+                  <a:ln w="18415" cmpd="sng">
+                    <a:solidFill>
+                      <a:srgbClr val="FFFFFF"/>
+                    </a:solidFill>
+                    <a:prstDash val="solid"/>
+                  </a:ln>
+                  <a:solidFill>
+                    <a:srgbClr val="FFFFFF"/>
+                  </a:solidFill>
+                  <a:effectLst>
+                    <a:outerShdw blurRad="63500" dir="3600000" algn="tl" rotWithShape="0">
+                      <a:srgbClr val="000000">
+                        <a:alpha val="70000"/>
+                      </a:srgbClr>
+                    </a:outerShdw>
+                  </a:effectLst>
+                </a:rPr>
+                <a:t>atch5</a:t>
+              </a:r>
+              <a:endParaRPr kumimoji="1" lang="zh-CN" altLang="en-US" b="1" dirty="0">
+                <a:ln w="18000">
+                  <a:solidFill>
+                    <a:schemeClr val="accent2">
+                      <a:satMod val="140000"/>
+                    </a:schemeClr>
+                  </a:solidFill>
+                  <a:prstDash val="solid"/>
+                  <a:miter lim="800000"/>
+                </a:ln>
+                <a:noFill/>
+                <a:effectLst>
+                  <a:outerShdw blurRad="25500" dist="23000" dir="7020000" algn="tl">
+                    <a:srgbClr val="000000">
+                      <a:alpha val="50000"/>
+                    </a:srgbClr>
+                  </a:outerShdw>
+                </a:effectLst>
+              </a:endParaRPr>
+            </a:p>
+          </p:txBody>
+        </p:sp>
+      </p:grpSp>
+      <p:grpSp>
+        <p:nvGrpSpPr>
+          <p:cNvPr id="14" name="组 13"/>
+          <p:cNvGrpSpPr/>
+          <p:nvPr/>
+        </p:nvGrpSpPr>
+        <p:grpSpPr>
+          <a:xfrm>
+            <a:off x="2286000" y="2952750"/>
+            <a:ext cx="5257800" cy="533400"/>
+            <a:chOff x="2286000" y="1809750"/>
+            <a:chExt cx="5257800" cy="533400"/>
+          </a:xfrm>
+        </p:grpSpPr>
+        <p:sp>
+          <p:nvSpPr>
+            <p:cNvPr id="15" name="矩形 14"/>
+            <p:cNvSpPr/>
+            <p:nvPr/>
+          </p:nvSpPr>
+          <p:spPr>
+            <a:xfrm>
+              <a:off x="2286000" y="1809750"/>
+              <a:ext cx="5257800" cy="533400"/>
+            </a:xfrm>
+            <a:prstGeom prst="rect">
+              <a:avLst/>
+            </a:prstGeom>
+          </p:spPr>
+          <p:style>
+            <a:lnRef idx="1">
+              <a:schemeClr val="accent1"/>
+            </a:lnRef>
+            <a:fillRef idx="3">
+              <a:schemeClr val="accent1"/>
+            </a:fillRef>
+            <a:effectRef idx="2">
+              <a:schemeClr val="accent1"/>
+            </a:effectRef>
+            <a:fontRef idx="minor">
+              <a:schemeClr val="lt1"/>
+            </a:fontRef>
+          </p:style>
+          <p:txBody>
+            <a:bodyPr rtlCol="0" anchor="ctr"/>
+            <a:lstStyle/>
+            <a:p>
+              <a:pPr algn="ctr"/>
+              <a:endParaRPr kumimoji="1" lang="zh-CN" altLang="en-US"/>
+            </a:p>
+          </p:txBody>
+        </p:sp>
+        <p:sp>
+          <p:nvSpPr>
+            <p:cNvPr id="16" name="圆角矩形 15"/>
+            <p:cNvSpPr/>
+            <p:nvPr/>
+          </p:nvSpPr>
+          <p:spPr>
+            <a:xfrm>
+              <a:off x="2438400" y="1962150"/>
+              <a:ext cx="838200" cy="304800"/>
+            </a:xfrm>
+            <a:prstGeom prst="roundRect">
+              <a:avLst/>
+            </a:prstGeom>
+          </p:spPr>
+          <p:style>
+            <a:lnRef idx="1">
+              <a:schemeClr val="accent3"/>
+            </a:lnRef>
+            <a:fillRef idx="3">
+              <a:schemeClr val="accent3"/>
+            </a:fillRef>
+            <a:effectRef idx="2">
+              <a:schemeClr val="accent3"/>
+            </a:effectRef>
+            <a:fontRef idx="minor">
+              <a:schemeClr val="lt1"/>
+            </a:fontRef>
+          </p:style>
+          <p:txBody>
+            <a:bodyPr rtlCol="0" anchor="ctr"/>
+            <a:lstStyle/>
+            <a:p>
+              <a:pPr algn="ctr"/>
+              <a:r>
+                <a:rPr kumimoji="1" lang="en-US" altLang="zh-CN" sz="1600" dirty="0" smtClean="0">
+                  <a:ln w="18415" cmpd="sng">
+                    <a:solidFill>
+                      <a:srgbClr val="FFFFFF"/>
+                    </a:solidFill>
+                    <a:prstDash val="solid"/>
+                  </a:ln>
+                  <a:solidFill>
+                    <a:srgbClr val="FFFFFF"/>
+                  </a:solidFill>
+                  <a:effectLst>
+                    <a:outerShdw blurRad="63500" dir="3600000" algn="tl" rotWithShape="0">
+                      <a:srgbClr val="000000">
+                        <a:alpha val="70000"/>
+                      </a:srgbClr>
+                    </a:outerShdw>
+                  </a:effectLst>
+                </a:rPr>
+                <a:t>batch1</a:t>
+              </a:r>
+              <a:endParaRPr kumimoji="1" lang="zh-CN" altLang="en-US" sz="1600" dirty="0">
+                <a:ln w="18415" cmpd="sng">
+                  <a:solidFill>
+                    <a:srgbClr val="FFFFFF"/>
+                  </a:solidFill>
+                  <a:prstDash val="solid"/>
+                </a:ln>
+                <a:solidFill>
+                  <a:srgbClr val="FFFFFF"/>
+                </a:solidFill>
+                <a:effectLst>
+                  <a:outerShdw blurRad="63500" dir="3600000" algn="tl" rotWithShape="0">
+                    <a:srgbClr val="000000">
+                      <a:alpha val="70000"/>
+                    </a:srgbClr>
+                  </a:outerShdw>
+                </a:effectLst>
+              </a:endParaRPr>
+            </a:p>
+          </p:txBody>
+        </p:sp>
+        <p:sp>
+          <p:nvSpPr>
+            <p:cNvPr id="17" name="圆角矩形 16"/>
+            <p:cNvSpPr/>
+            <p:nvPr/>
+          </p:nvSpPr>
+          <p:spPr>
+            <a:xfrm>
+              <a:off x="3429000" y="1962150"/>
+              <a:ext cx="838200" cy="304800"/>
+            </a:xfrm>
+            <a:prstGeom prst="roundRect">
+              <a:avLst/>
+            </a:prstGeom>
+          </p:spPr>
+          <p:style>
+            <a:lnRef idx="1">
+              <a:schemeClr val="accent3"/>
+            </a:lnRef>
+            <a:fillRef idx="3">
+              <a:schemeClr val="accent3"/>
+            </a:fillRef>
+            <a:effectRef idx="2">
+              <a:schemeClr val="accent3"/>
+            </a:effectRef>
+            <a:fontRef idx="minor">
+              <a:schemeClr val="lt1"/>
+            </a:fontRef>
+          </p:style>
+          <p:txBody>
+            <a:bodyPr rtlCol="0" anchor="ctr"/>
+            <a:lstStyle/>
+            <a:p>
+              <a:pPr algn="ctr"/>
+              <a:r>
+                <a:rPr kumimoji="1" lang="zh-CN" altLang="zh-CN" dirty="0" smtClean="0">
+                  <a:ln w="18415" cmpd="sng">
+                    <a:solidFill>
+                      <a:srgbClr val="FFFFFF"/>
+                    </a:solidFill>
+                    <a:prstDash val="solid"/>
+                  </a:ln>
+                  <a:solidFill>
+                    <a:srgbClr val="FFFFFF"/>
+                  </a:solidFill>
+                  <a:effectLst>
+                    <a:outerShdw blurRad="63500" dir="3600000" algn="tl" rotWithShape="0">
+                      <a:srgbClr val="000000">
+                        <a:alpha val="70000"/>
+                      </a:srgbClr>
+                    </a:outerShdw>
+                  </a:effectLst>
+                </a:rPr>
+                <a:t>b</a:t>
+              </a:r>
+              <a:r>
+                <a:rPr kumimoji="1" lang="en-US" altLang="zh-CN" dirty="0" smtClean="0">
+                  <a:ln w="18415" cmpd="sng">
+                    <a:solidFill>
+                      <a:srgbClr val="FFFFFF"/>
+                    </a:solidFill>
+                    <a:prstDash val="solid"/>
+                  </a:ln>
+                  <a:solidFill>
+                    <a:srgbClr val="FFFFFF"/>
+                  </a:solidFill>
+                  <a:effectLst>
+                    <a:outerShdw blurRad="63500" dir="3600000" algn="tl" rotWithShape="0">
+                      <a:srgbClr val="000000">
+                        <a:alpha val="70000"/>
+                      </a:srgbClr>
+                    </a:outerShdw>
+                  </a:effectLst>
+                </a:rPr>
+                <a:t>atch2</a:t>
+              </a:r>
+              <a:endParaRPr kumimoji="1" lang="zh-CN" altLang="en-US" b="1" dirty="0">
+                <a:ln w="18000">
+                  <a:solidFill>
+                    <a:schemeClr val="accent2">
+                      <a:satMod val="140000"/>
+                    </a:schemeClr>
+                  </a:solidFill>
+                  <a:prstDash val="solid"/>
+                  <a:miter lim="800000"/>
+                </a:ln>
+                <a:noFill/>
+                <a:effectLst>
+                  <a:outerShdw blurRad="25500" dist="23000" dir="7020000" algn="tl">
+                    <a:srgbClr val="000000">
+                      <a:alpha val="50000"/>
+                    </a:srgbClr>
+                  </a:outerShdw>
+                </a:effectLst>
+              </a:endParaRPr>
+            </a:p>
+          </p:txBody>
+        </p:sp>
+        <p:sp>
+          <p:nvSpPr>
+            <p:cNvPr id="18" name="圆角矩形 17"/>
+            <p:cNvSpPr/>
+            <p:nvPr/>
+          </p:nvSpPr>
+          <p:spPr>
+            <a:xfrm>
+              <a:off x="4495800" y="1962150"/>
+              <a:ext cx="838200" cy="304800"/>
+            </a:xfrm>
+            <a:prstGeom prst="roundRect">
+              <a:avLst/>
+            </a:prstGeom>
+          </p:spPr>
+          <p:style>
+            <a:lnRef idx="1">
+              <a:schemeClr val="accent3"/>
+            </a:lnRef>
+            <a:fillRef idx="3">
+              <a:schemeClr val="accent3"/>
+            </a:fillRef>
+            <a:effectRef idx="2">
+              <a:schemeClr val="accent3"/>
+            </a:effectRef>
+            <a:fontRef idx="minor">
+              <a:schemeClr val="lt1"/>
+            </a:fontRef>
+          </p:style>
+          <p:txBody>
+            <a:bodyPr rtlCol="0" anchor="ctr"/>
+            <a:lstStyle/>
+            <a:p>
+              <a:pPr algn="ctr"/>
+              <a:r>
+                <a:rPr kumimoji="1" lang="zh-CN" altLang="zh-CN" dirty="0" smtClean="0">
+                  <a:ln w="18415" cmpd="sng">
+                    <a:solidFill>
+                      <a:srgbClr val="FFFFFF"/>
+                    </a:solidFill>
+                    <a:prstDash val="solid"/>
+                  </a:ln>
+                  <a:solidFill>
+                    <a:srgbClr val="FFFFFF"/>
+                  </a:solidFill>
+                  <a:effectLst>
+                    <a:outerShdw blurRad="63500" dir="3600000" algn="tl" rotWithShape="0">
+                      <a:srgbClr val="000000">
+                        <a:alpha val="70000"/>
+                      </a:srgbClr>
+                    </a:outerShdw>
+                  </a:effectLst>
+                </a:rPr>
+                <a:t>b</a:t>
+              </a:r>
+              <a:r>
+                <a:rPr kumimoji="1" lang="en-US" altLang="zh-CN" dirty="0" smtClean="0">
+                  <a:ln w="18415" cmpd="sng">
+                    <a:solidFill>
+                      <a:srgbClr val="FFFFFF"/>
+                    </a:solidFill>
+                    <a:prstDash val="solid"/>
+                  </a:ln>
+                  <a:solidFill>
+                    <a:srgbClr val="FFFFFF"/>
+                  </a:solidFill>
+                  <a:effectLst>
+                    <a:outerShdw blurRad="63500" dir="3600000" algn="tl" rotWithShape="0">
+                      <a:srgbClr val="000000">
+                        <a:alpha val="70000"/>
+                      </a:srgbClr>
+                    </a:outerShdw>
+                  </a:effectLst>
+                </a:rPr>
+                <a:t>atch3</a:t>
+              </a:r>
+              <a:endParaRPr kumimoji="1" lang="zh-CN" altLang="en-US" b="1" dirty="0">
+                <a:ln w="18000">
+                  <a:solidFill>
+                    <a:schemeClr val="accent2">
+                      <a:satMod val="140000"/>
+                    </a:schemeClr>
+                  </a:solidFill>
+                  <a:prstDash val="solid"/>
+                  <a:miter lim="800000"/>
+                </a:ln>
+                <a:noFill/>
+                <a:effectLst>
+                  <a:outerShdw blurRad="25500" dist="23000" dir="7020000" algn="tl">
+                    <a:srgbClr val="000000">
+                      <a:alpha val="50000"/>
+                    </a:srgbClr>
+                  </a:outerShdw>
+                </a:effectLst>
+              </a:endParaRPr>
+            </a:p>
+          </p:txBody>
+        </p:sp>
+        <p:sp>
+          <p:nvSpPr>
+            <p:cNvPr id="19" name="圆角矩形 18"/>
+            <p:cNvSpPr/>
+            <p:nvPr/>
+          </p:nvSpPr>
+          <p:spPr>
+            <a:xfrm>
+              <a:off x="5486400" y="1962150"/>
+              <a:ext cx="838200" cy="304800"/>
+            </a:xfrm>
+            <a:prstGeom prst="roundRect">
+              <a:avLst/>
+            </a:prstGeom>
+          </p:spPr>
+          <p:style>
+            <a:lnRef idx="1">
+              <a:schemeClr val="accent3"/>
+            </a:lnRef>
+            <a:fillRef idx="3">
+              <a:schemeClr val="accent3"/>
+            </a:fillRef>
+            <a:effectRef idx="2">
+              <a:schemeClr val="accent3"/>
+            </a:effectRef>
+            <a:fontRef idx="minor">
+              <a:schemeClr val="lt1"/>
+            </a:fontRef>
+          </p:style>
+          <p:txBody>
+            <a:bodyPr rtlCol="0" anchor="ctr"/>
+            <a:lstStyle/>
+            <a:p>
+              <a:pPr algn="ctr"/>
+              <a:r>
+                <a:rPr kumimoji="1" lang="zh-CN" altLang="zh-CN" dirty="0" smtClean="0">
+                  <a:ln w="18415" cmpd="sng">
+                    <a:solidFill>
+                      <a:srgbClr val="FFFFFF"/>
+                    </a:solidFill>
+                    <a:prstDash val="solid"/>
+                  </a:ln>
+                  <a:solidFill>
+                    <a:srgbClr val="FFFFFF"/>
+                  </a:solidFill>
+                  <a:effectLst>
+                    <a:outerShdw blurRad="63500" dir="3600000" algn="tl" rotWithShape="0">
+                      <a:srgbClr val="000000">
+                        <a:alpha val="70000"/>
+                      </a:srgbClr>
+                    </a:outerShdw>
+                  </a:effectLst>
+                </a:rPr>
+                <a:t>b</a:t>
+              </a:r>
+              <a:r>
+                <a:rPr kumimoji="1" lang="en-US" altLang="zh-CN" dirty="0" smtClean="0">
+                  <a:ln w="18415" cmpd="sng">
+                    <a:solidFill>
+                      <a:srgbClr val="FFFFFF"/>
+                    </a:solidFill>
+                    <a:prstDash val="solid"/>
+                  </a:ln>
+                  <a:solidFill>
+                    <a:srgbClr val="FFFFFF"/>
+                  </a:solidFill>
+                  <a:effectLst>
+                    <a:outerShdw blurRad="63500" dir="3600000" algn="tl" rotWithShape="0">
+                      <a:srgbClr val="000000">
+                        <a:alpha val="70000"/>
+                      </a:srgbClr>
+                    </a:outerShdw>
+                  </a:effectLst>
+                </a:rPr>
+                <a:t>atch4</a:t>
+              </a:r>
+              <a:endParaRPr kumimoji="1" lang="zh-CN" altLang="en-US" b="1" dirty="0">
+                <a:ln w="18000">
+                  <a:solidFill>
+                    <a:schemeClr val="accent2">
+                      <a:satMod val="140000"/>
+                    </a:schemeClr>
+                  </a:solidFill>
+                  <a:prstDash val="solid"/>
+                  <a:miter lim="800000"/>
+                </a:ln>
+                <a:noFill/>
+                <a:effectLst>
+                  <a:outerShdw blurRad="25500" dist="23000" dir="7020000" algn="tl">
+                    <a:srgbClr val="000000">
+                      <a:alpha val="50000"/>
+                    </a:srgbClr>
+                  </a:outerShdw>
+                </a:effectLst>
+              </a:endParaRPr>
+            </a:p>
+          </p:txBody>
+        </p:sp>
+        <p:sp>
+          <p:nvSpPr>
+            <p:cNvPr id="20" name="圆角矩形 19"/>
+            <p:cNvSpPr/>
+            <p:nvPr/>
+          </p:nvSpPr>
+          <p:spPr>
+            <a:xfrm>
+              <a:off x="6477000" y="1962150"/>
+              <a:ext cx="838200" cy="304800"/>
+            </a:xfrm>
+            <a:prstGeom prst="roundRect">
+              <a:avLst/>
+            </a:prstGeom>
+          </p:spPr>
+          <p:style>
+            <a:lnRef idx="1">
+              <a:schemeClr val="accent3"/>
+            </a:lnRef>
+            <a:fillRef idx="3">
+              <a:schemeClr val="accent3"/>
+            </a:fillRef>
+            <a:effectRef idx="2">
+              <a:schemeClr val="accent3"/>
+            </a:effectRef>
+            <a:fontRef idx="minor">
+              <a:schemeClr val="lt1"/>
+            </a:fontRef>
+          </p:style>
+          <p:txBody>
+            <a:bodyPr rtlCol="0" anchor="ctr"/>
+            <a:lstStyle/>
+            <a:p>
+              <a:pPr algn="ctr"/>
+              <a:r>
+                <a:rPr kumimoji="1" lang="zh-CN" altLang="zh-CN" dirty="0" smtClean="0">
+                  <a:ln w="18415" cmpd="sng">
+                    <a:solidFill>
+                      <a:srgbClr val="FFFFFF"/>
+                    </a:solidFill>
+                    <a:prstDash val="solid"/>
+                  </a:ln>
+                  <a:solidFill>
+                    <a:srgbClr val="FFFFFF"/>
+                  </a:solidFill>
+                  <a:effectLst>
+                    <a:outerShdw blurRad="63500" dir="3600000" algn="tl" rotWithShape="0">
+                      <a:srgbClr val="000000">
+                        <a:alpha val="70000"/>
+                      </a:srgbClr>
+                    </a:outerShdw>
+                  </a:effectLst>
+                </a:rPr>
+                <a:t>b</a:t>
+              </a:r>
+              <a:r>
+                <a:rPr kumimoji="1" lang="en-US" altLang="zh-CN" dirty="0" smtClean="0">
+                  <a:ln w="18415" cmpd="sng">
+                    <a:solidFill>
+                      <a:srgbClr val="FFFFFF"/>
+                    </a:solidFill>
+                    <a:prstDash val="solid"/>
+                  </a:ln>
+                  <a:solidFill>
+                    <a:srgbClr val="FFFFFF"/>
+                  </a:solidFill>
+                  <a:effectLst>
+                    <a:outerShdw blurRad="63500" dir="3600000" algn="tl" rotWithShape="0">
+                      <a:srgbClr val="000000">
+                        <a:alpha val="70000"/>
+                      </a:srgbClr>
+                    </a:outerShdw>
+                  </a:effectLst>
+                </a:rPr>
+                <a:t>atch5</a:t>
+              </a:r>
+              <a:endParaRPr kumimoji="1" lang="zh-CN" altLang="en-US" b="1" dirty="0">
+                <a:ln w="18000">
+                  <a:solidFill>
+                    <a:schemeClr val="accent2">
+                      <a:satMod val="140000"/>
+                    </a:schemeClr>
+                  </a:solidFill>
+                  <a:prstDash val="solid"/>
+                  <a:miter lim="800000"/>
+                </a:ln>
+                <a:noFill/>
+                <a:effectLst>
+                  <a:outerShdw blurRad="25500" dist="23000" dir="7020000" algn="tl">
+                    <a:srgbClr val="000000">
+                      <a:alpha val="50000"/>
+                    </a:srgbClr>
+                  </a:outerShdw>
+                </a:effectLst>
+              </a:endParaRPr>
+            </a:p>
+          </p:txBody>
+        </p:sp>
+      </p:grpSp>
+      <p:grpSp>
+        <p:nvGrpSpPr>
+          <p:cNvPr id="21" name="组 20"/>
+          <p:cNvGrpSpPr/>
+          <p:nvPr/>
+        </p:nvGrpSpPr>
+        <p:grpSpPr>
+          <a:xfrm>
+            <a:off x="2286000" y="4095750"/>
+            <a:ext cx="5257800" cy="533400"/>
+            <a:chOff x="2286000" y="1809750"/>
+            <a:chExt cx="5257800" cy="533400"/>
+          </a:xfrm>
+        </p:grpSpPr>
+        <p:sp>
+          <p:nvSpPr>
+            <p:cNvPr id="22" name="矩形 21"/>
+            <p:cNvSpPr/>
+            <p:nvPr/>
+          </p:nvSpPr>
+          <p:spPr>
+            <a:xfrm>
+              <a:off x="2286000" y="1809750"/>
+              <a:ext cx="5257800" cy="533400"/>
+            </a:xfrm>
+            <a:prstGeom prst="rect">
+              <a:avLst/>
+            </a:prstGeom>
+          </p:spPr>
+          <p:style>
+            <a:lnRef idx="1">
+              <a:schemeClr val="accent1"/>
+            </a:lnRef>
+            <a:fillRef idx="3">
+              <a:schemeClr val="accent1"/>
+            </a:fillRef>
+            <a:effectRef idx="2">
+              <a:schemeClr val="accent1"/>
+            </a:effectRef>
+            <a:fontRef idx="minor">
+              <a:schemeClr val="lt1"/>
+            </a:fontRef>
+          </p:style>
+          <p:txBody>
+            <a:bodyPr rtlCol="0" anchor="ctr"/>
+            <a:lstStyle/>
+            <a:p>
+              <a:pPr algn="ctr"/>
+              <a:endParaRPr kumimoji="1" lang="zh-CN" altLang="en-US"/>
+            </a:p>
+          </p:txBody>
+        </p:sp>
+        <p:sp>
+          <p:nvSpPr>
+            <p:cNvPr id="23" name="圆角矩形 22"/>
+            <p:cNvSpPr/>
+            <p:nvPr/>
+          </p:nvSpPr>
+          <p:spPr>
+            <a:xfrm>
+              <a:off x="2438400" y="1962150"/>
+              <a:ext cx="838200" cy="304800"/>
+            </a:xfrm>
+            <a:prstGeom prst="roundRect">
+              <a:avLst/>
+            </a:prstGeom>
+          </p:spPr>
+          <p:style>
+            <a:lnRef idx="1">
+              <a:schemeClr val="accent3"/>
+            </a:lnRef>
+            <a:fillRef idx="3">
+              <a:schemeClr val="accent3"/>
+            </a:fillRef>
+            <a:effectRef idx="2">
+              <a:schemeClr val="accent3"/>
+            </a:effectRef>
+            <a:fontRef idx="minor">
+              <a:schemeClr val="lt1"/>
+            </a:fontRef>
+          </p:style>
+          <p:txBody>
+            <a:bodyPr rtlCol="0" anchor="ctr"/>
+            <a:lstStyle/>
+            <a:p>
+              <a:pPr algn="ctr"/>
+              <a:r>
+                <a:rPr kumimoji="1" lang="en-US" altLang="zh-CN" sz="1600" dirty="0" smtClean="0">
+                  <a:ln w="18415" cmpd="sng">
+                    <a:solidFill>
+                      <a:srgbClr val="FFFFFF"/>
+                    </a:solidFill>
+                    <a:prstDash val="solid"/>
+                  </a:ln>
+                  <a:solidFill>
+                    <a:srgbClr val="FFFFFF"/>
+                  </a:solidFill>
+                  <a:effectLst>
+                    <a:outerShdw blurRad="63500" dir="3600000" algn="tl" rotWithShape="0">
+                      <a:srgbClr val="000000">
+                        <a:alpha val="70000"/>
+                      </a:srgbClr>
+                    </a:outerShdw>
+                  </a:effectLst>
+                </a:rPr>
+                <a:t>batch1</a:t>
+              </a:r>
+              <a:endParaRPr kumimoji="1" lang="zh-CN" altLang="en-US" sz="1600" dirty="0">
+                <a:ln w="18415" cmpd="sng">
+                  <a:solidFill>
+                    <a:srgbClr val="FFFFFF"/>
+                  </a:solidFill>
+                  <a:prstDash val="solid"/>
+                </a:ln>
+                <a:solidFill>
+                  <a:srgbClr val="FFFFFF"/>
+                </a:solidFill>
+                <a:effectLst>
+                  <a:outerShdw blurRad="63500" dir="3600000" algn="tl" rotWithShape="0">
+                    <a:srgbClr val="000000">
+                      <a:alpha val="70000"/>
+                    </a:srgbClr>
+                  </a:outerShdw>
+                </a:effectLst>
+              </a:endParaRPr>
+            </a:p>
+          </p:txBody>
+        </p:sp>
+        <p:sp>
+          <p:nvSpPr>
+            <p:cNvPr id="24" name="圆角矩形 23"/>
+            <p:cNvSpPr/>
+            <p:nvPr/>
+          </p:nvSpPr>
+          <p:spPr>
+            <a:xfrm>
+              <a:off x="3429000" y="1962150"/>
+              <a:ext cx="838200" cy="304800"/>
+            </a:xfrm>
+            <a:prstGeom prst="roundRect">
+              <a:avLst/>
+            </a:prstGeom>
+          </p:spPr>
+          <p:style>
+            <a:lnRef idx="1">
+              <a:schemeClr val="accent3"/>
+            </a:lnRef>
+            <a:fillRef idx="3">
+              <a:schemeClr val="accent3"/>
+            </a:fillRef>
+            <a:effectRef idx="2">
+              <a:schemeClr val="accent3"/>
+            </a:effectRef>
+            <a:fontRef idx="minor">
+              <a:schemeClr val="lt1"/>
+            </a:fontRef>
+          </p:style>
+          <p:txBody>
+            <a:bodyPr rtlCol="0" anchor="ctr"/>
+            <a:lstStyle/>
+            <a:p>
+              <a:pPr algn="ctr"/>
+              <a:r>
+                <a:rPr kumimoji="1" lang="zh-CN" altLang="zh-CN" dirty="0" smtClean="0">
+                  <a:ln w="18415" cmpd="sng">
+                    <a:solidFill>
+                      <a:srgbClr val="FFFFFF"/>
+                    </a:solidFill>
+                    <a:prstDash val="solid"/>
+                  </a:ln>
+                  <a:solidFill>
+                    <a:srgbClr val="FFFFFF"/>
+                  </a:solidFill>
+                  <a:effectLst>
+                    <a:outerShdw blurRad="63500" dir="3600000" algn="tl" rotWithShape="0">
+                      <a:srgbClr val="000000">
+                        <a:alpha val="70000"/>
+                      </a:srgbClr>
+                    </a:outerShdw>
+                  </a:effectLst>
+                </a:rPr>
+                <a:t>b</a:t>
+              </a:r>
+              <a:r>
+                <a:rPr kumimoji="1" lang="en-US" altLang="zh-CN" dirty="0" smtClean="0">
+                  <a:ln w="18415" cmpd="sng">
+                    <a:solidFill>
+                      <a:srgbClr val="FFFFFF"/>
+                    </a:solidFill>
+                    <a:prstDash val="solid"/>
+                  </a:ln>
+                  <a:solidFill>
+                    <a:srgbClr val="FFFFFF"/>
+                  </a:solidFill>
+                  <a:effectLst>
+                    <a:outerShdw blurRad="63500" dir="3600000" algn="tl" rotWithShape="0">
+                      <a:srgbClr val="000000">
+                        <a:alpha val="70000"/>
+                      </a:srgbClr>
+                    </a:outerShdw>
+                  </a:effectLst>
+                </a:rPr>
+                <a:t>atch2</a:t>
+              </a:r>
+              <a:endParaRPr kumimoji="1" lang="zh-CN" altLang="en-US" b="1" dirty="0">
+                <a:ln w="18000">
+                  <a:solidFill>
+                    <a:schemeClr val="accent2">
+                      <a:satMod val="140000"/>
+                    </a:schemeClr>
+                  </a:solidFill>
+                  <a:prstDash val="solid"/>
+                  <a:miter lim="800000"/>
+                </a:ln>
+                <a:noFill/>
+                <a:effectLst>
+                  <a:outerShdw blurRad="25500" dist="23000" dir="7020000" algn="tl">
+                    <a:srgbClr val="000000">
+                      <a:alpha val="50000"/>
+                    </a:srgbClr>
+                  </a:outerShdw>
+                </a:effectLst>
+              </a:endParaRPr>
+            </a:p>
+          </p:txBody>
+        </p:sp>
+        <p:sp>
+          <p:nvSpPr>
+            <p:cNvPr id="25" name="圆角矩形 24"/>
+            <p:cNvSpPr/>
+            <p:nvPr/>
+          </p:nvSpPr>
+          <p:spPr>
+            <a:xfrm>
+              <a:off x="4495800" y="1962150"/>
+              <a:ext cx="838200" cy="304800"/>
+            </a:xfrm>
+            <a:prstGeom prst="roundRect">
+              <a:avLst/>
+            </a:prstGeom>
+          </p:spPr>
+          <p:style>
+            <a:lnRef idx="1">
+              <a:schemeClr val="accent3"/>
+            </a:lnRef>
+            <a:fillRef idx="3">
+              <a:schemeClr val="accent3"/>
+            </a:fillRef>
+            <a:effectRef idx="2">
+              <a:schemeClr val="accent3"/>
+            </a:effectRef>
+            <a:fontRef idx="minor">
+              <a:schemeClr val="lt1"/>
+            </a:fontRef>
+          </p:style>
+          <p:txBody>
+            <a:bodyPr rtlCol="0" anchor="ctr"/>
+            <a:lstStyle/>
+            <a:p>
+              <a:pPr algn="ctr"/>
+              <a:r>
+                <a:rPr kumimoji="1" lang="zh-CN" altLang="zh-CN" dirty="0" smtClean="0">
+                  <a:ln w="18415" cmpd="sng">
+                    <a:solidFill>
+                      <a:srgbClr val="FFFFFF"/>
+                    </a:solidFill>
+                    <a:prstDash val="solid"/>
+                  </a:ln>
+                  <a:solidFill>
+                    <a:srgbClr val="FFFFFF"/>
+                  </a:solidFill>
+                  <a:effectLst>
+                    <a:outerShdw blurRad="63500" dir="3600000" algn="tl" rotWithShape="0">
+                      <a:srgbClr val="000000">
+                        <a:alpha val="70000"/>
+                      </a:srgbClr>
+                    </a:outerShdw>
+                  </a:effectLst>
+                </a:rPr>
+                <a:t>b</a:t>
+              </a:r>
+              <a:r>
+                <a:rPr kumimoji="1" lang="en-US" altLang="zh-CN" dirty="0" smtClean="0">
+                  <a:ln w="18415" cmpd="sng">
+                    <a:solidFill>
+                      <a:srgbClr val="FFFFFF"/>
+                    </a:solidFill>
+                    <a:prstDash val="solid"/>
+                  </a:ln>
+                  <a:solidFill>
+                    <a:srgbClr val="FFFFFF"/>
+                  </a:solidFill>
+                  <a:effectLst>
+                    <a:outerShdw blurRad="63500" dir="3600000" algn="tl" rotWithShape="0">
+                      <a:srgbClr val="000000">
+                        <a:alpha val="70000"/>
+                      </a:srgbClr>
+                    </a:outerShdw>
+                  </a:effectLst>
+                </a:rPr>
+                <a:t>atch3</a:t>
+              </a:r>
+              <a:endParaRPr kumimoji="1" lang="zh-CN" altLang="en-US" b="1" dirty="0">
+                <a:ln w="18000">
+                  <a:solidFill>
+                    <a:schemeClr val="accent2">
+                      <a:satMod val="140000"/>
+                    </a:schemeClr>
+                  </a:solidFill>
+                  <a:prstDash val="solid"/>
+                  <a:miter lim="800000"/>
+                </a:ln>
+                <a:noFill/>
+                <a:effectLst>
+                  <a:outerShdw blurRad="25500" dist="23000" dir="7020000" algn="tl">
+                    <a:srgbClr val="000000">
+                      <a:alpha val="50000"/>
+                    </a:srgbClr>
+                  </a:outerShdw>
+                </a:effectLst>
+              </a:endParaRPr>
+            </a:p>
+          </p:txBody>
+        </p:sp>
+        <p:sp>
+          <p:nvSpPr>
+            <p:cNvPr id="26" name="圆角矩形 25"/>
+            <p:cNvSpPr/>
+            <p:nvPr/>
+          </p:nvSpPr>
+          <p:spPr>
+            <a:xfrm>
+              <a:off x="5486400" y="1962150"/>
+              <a:ext cx="838200" cy="304800"/>
+            </a:xfrm>
+            <a:prstGeom prst="roundRect">
+              <a:avLst/>
+            </a:prstGeom>
+          </p:spPr>
+          <p:style>
+            <a:lnRef idx="1">
+              <a:schemeClr val="accent3"/>
+            </a:lnRef>
+            <a:fillRef idx="3">
+              <a:schemeClr val="accent3"/>
+            </a:fillRef>
+            <a:effectRef idx="2">
+              <a:schemeClr val="accent3"/>
+            </a:effectRef>
+            <a:fontRef idx="minor">
+              <a:schemeClr val="lt1"/>
+            </a:fontRef>
+          </p:style>
+          <p:txBody>
+            <a:bodyPr rtlCol="0" anchor="ctr"/>
+            <a:lstStyle/>
+            <a:p>
+              <a:pPr algn="ctr"/>
+              <a:r>
+                <a:rPr kumimoji="1" lang="zh-CN" altLang="zh-CN" dirty="0" smtClean="0">
+                  <a:ln w="18415" cmpd="sng">
+                    <a:solidFill>
+                      <a:srgbClr val="FFFFFF"/>
+                    </a:solidFill>
+                    <a:prstDash val="solid"/>
+                  </a:ln>
+                  <a:solidFill>
+                    <a:srgbClr val="FFFFFF"/>
+                  </a:solidFill>
+                  <a:effectLst>
+                    <a:outerShdw blurRad="63500" dir="3600000" algn="tl" rotWithShape="0">
+                      <a:srgbClr val="000000">
+                        <a:alpha val="70000"/>
+                      </a:srgbClr>
+                    </a:outerShdw>
+                  </a:effectLst>
+                </a:rPr>
+                <a:t>b</a:t>
+              </a:r>
+              <a:r>
+                <a:rPr kumimoji="1" lang="en-US" altLang="zh-CN" dirty="0" smtClean="0">
+                  <a:ln w="18415" cmpd="sng">
+                    <a:solidFill>
+                      <a:srgbClr val="FFFFFF"/>
+                    </a:solidFill>
+                    <a:prstDash val="solid"/>
+                  </a:ln>
+                  <a:solidFill>
+                    <a:srgbClr val="FFFFFF"/>
+                  </a:solidFill>
+                  <a:effectLst>
+                    <a:outerShdw blurRad="63500" dir="3600000" algn="tl" rotWithShape="0">
+                      <a:srgbClr val="000000">
+                        <a:alpha val="70000"/>
+                      </a:srgbClr>
+                    </a:outerShdw>
+                  </a:effectLst>
+                </a:rPr>
+                <a:t>atch4</a:t>
+              </a:r>
+              <a:endParaRPr kumimoji="1" lang="zh-CN" altLang="en-US" b="1" dirty="0">
+                <a:ln w="18000">
+                  <a:solidFill>
+                    <a:schemeClr val="accent2">
+                      <a:satMod val="140000"/>
+                    </a:schemeClr>
+                  </a:solidFill>
+                  <a:prstDash val="solid"/>
+                  <a:miter lim="800000"/>
+                </a:ln>
+                <a:noFill/>
+                <a:effectLst>
+                  <a:outerShdw blurRad="25500" dist="23000" dir="7020000" algn="tl">
+                    <a:srgbClr val="000000">
+                      <a:alpha val="50000"/>
+                    </a:srgbClr>
+                  </a:outerShdw>
+                </a:effectLst>
+              </a:endParaRPr>
+            </a:p>
+          </p:txBody>
+        </p:sp>
+        <p:sp>
+          <p:nvSpPr>
+            <p:cNvPr id="27" name="圆角矩形 26"/>
+            <p:cNvSpPr/>
+            <p:nvPr/>
+          </p:nvSpPr>
+          <p:spPr>
+            <a:xfrm>
+              <a:off x="6477000" y="1962150"/>
+              <a:ext cx="838200" cy="304800"/>
+            </a:xfrm>
+            <a:prstGeom prst="roundRect">
+              <a:avLst/>
+            </a:prstGeom>
+          </p:spPr>
+          <p:style>
+            <a:lnRef idx="1">
+              <a:schemeClr val="accent3"/>
+            </a:lnRef>
+            <a:fillRef idx="3">
+              <a:schemeClr val="accent3"/>
+            </a:fillRef>
+            <a:effectRef idx="2">
+              <a:schemeClr val="accent3"/>
+            </a:effectRef>
+            <a:fontRef idx="minor">
+              <a:schemeClr val="lt1"/>
+            </a:fontRef>
+          </p:style>
+          <p:txBody>
+            <a:bodyPr rtlCol="0" anchor="ctr"/>
+            <a:lstStyle/>
+            <a:p>
+              <a:pPr algn="ctr"/>
+              <a:r>
+                <a:rPr kumimoji="1" lang="zh-CN" altLang="zh-CN" dirty="0" smtClean="0">
+                  <a:ln w="18415" cmpd="sng">
+                    <a:solidFill>
+                      <a:srgbClr val="FFFFFF"/>
+                    </a:solidFill>
+                    <a:prstDash val="solid"/>
+                  </a:ln>
+                  <a:solidFill>
+                    <a:srgbClr val="FFFFFF"/>
+                  </a:solidFill>
+                  <a:effectLst>
+                    <a:outerShdw blurRad="63500" dir="3600000" algn="tl" rotWithShape="0">
+                      <a:srgbClr val="000000">
+                        <a:alpha val="70000"/>
+                      </a:srgbClr>
+                    </a:outerShdw>
+                  </a:effectLst>
+                </a:rPr>
+                <a:t>b</a:t>
+              </a:r>
+              <a:r>
+                <a:rPr kumimoji="1" lang="en-US" altLang="zh-CN" dirty="0" smtClean="0">
+                  <a:ln w="18415" cmpd="sng">
+                    <a:solidFill>
+                      <a:srgbClr val="FFFFFF"/>
+                    </a:solidFill>
+                    <a:prstDash val="solid"/>
+                  </a:ln>
+                  <a:solidFill>
+                    <a:srgbClr val="FFFFFF"/>
+                  </a:solidFill>
+                  <a:effectLst>
+                    <a:outerShdw blurRad="63500" dir="3600000" algn="tl" rotWithShape="0">
+                      <a:srgbClr val="000000">
+                        <a:alpha val="70000"/>
+                      </a:srgbClr>
+                    </a:outerShdw>
+                  </a:effectLst>
+                </a:rPr>
+                <a:t>atch5</a:t>
+              </a:r>
+              <a:endParaRPr kumimoji="1" lang="zh-CN" altLang="en-US" b="1" dirty="0">
+                <a:ln w="18000">
+                  <a:solidFill>
+                    <a:schemeClr val="accent2">
+                      <a:satMod val="140000"/>
+                    </a:schemeClr>
+                  </a:solidFill>
+                  <a:prstDash val="solid"/>
+                  <a:miter lim="800000"/>
+                </a:ln>
+                <a:noFill/>
+                <a:effectLst>
+                  <a:outerShdw blurRad="25500" dist="23000" dir="7020000" algn="tl">
+                    <a:srgbClr val="000000">
+                      <a:alpha val="50000"/>
+                    </a:srgbClr>
+                  </a:outerShdw>
+                </a:effectLst>
+              </a:endParaRPr>
+            </a:p>
+          </p:txBody>
+        </p:sp>
+      </p:grpSp>
+      <p:sp>
+        <p:nvSpPr>
+          <p:cNvPr id="28" name="下箭头 27"/>
+          <p:cNvSpPr/>
+          <p:nvPr/>
+        </p:nvSpPr>
+        <p:spPr>
+          <a:xfrm>
+            <a:off x="26433" y="1885950"/>
+            <a:ext cx="914400" cy="3048000"/>
+          </a:xfrm>
+          <a:prstGeom prst="downArrow">
+            <a:avLst/>
+          </a:prstGeom>
+        </p:spPr>
+        <p:style>
+          <a:lnRef idx="1">
+            <a:schemeClr val="accent1"/>
+          </a:lnRef>
+          <a:fillRef idx="3">
+            <a:schemeClr val="accent1"/>
+          </a:fillRef>
+          <a:effectRef idx="2">
+            <a:schemeClr val="accent1"/>
+          </a:effectRef>
+          <a:fontRef idx="minor">
+            <a:schemeClr val="lt1"/>
+          </a:fontRef>
+        </p:style>
+        <p:txBody>
+          <a:bodyPr rtlCol="0" anchor="ctr"/>
+          <a:lstStyle/>
+          <a:p>
+            <a:pPr algn="ctr"/>
+            <a:endParaRPr kumimoji="1" lang="zh-CN" altLang="en-US" dirty="0"/>
+          </a:p>
+        </p:txBody>
+      </p:sp>
+      <p:sp>
+        <p:nvSpPr>
+          <p:cNvPr id="29" name="文本框 28"/>
+          <p:cNvSpPr txBox="1"/>
+          <p:nvPr/>
+        </p:nvSpPr>
+        <p:spPr>
+          <a:xfrm>
+            <a:off x="990600" y="1885950"/>
+            <a:ext cx="1026017" cy="369332"/>
+          </a:xfrm>
+          <a:prstGeom prst="rect">
+            <a:avLst/>
+          </a:prstGeom>
+          <a:noFill/>
+        </p:spPr>
+        <p:txBody>
+          <a:bodyPr wrap="none" rtlCol="0">
+            <a:spAutoFit/>
+          </a:bodyPr>
+          <a:lstStyle/>
+          <a:p>
+            <a:r>
+              <a:rPr kumimoji="1" lang="en-US" altLang="zh-CN" dirty="0" smtClean="0"/>
+              <a:t>1</a:t>
+            </a:r>
+            <a:r>
+              <a:rPr kumimoji="1" lang="en-US" altLang="zh-CN" baseline="30000" dirty="0" smtClean="0"/>
+              <a:t>st</a:t>
+            </a:r>
+            <a:r>
+              <a:rPr kumimoji="1" lang="en-US" altLang="zh-CN" dirty="0" smtClean="0"/>
+              <a:t> epoch</a:t>
+            </a:r>
+            <a:endParaRPr kumimoji="1" lang="zh-CN" altLang="en-US" dirty="0"/>
+          </a:p>
+        </p:txBody>
+      </p:sp>
+      <p:sp>
+        <p:nvSpPr>
+          <p:cNvPr id="30" name="文本框 29"/>
+          <p:cNvSpPr txBox="1"/>
+          <p:nvPr/>
+        </p:nvSpPr>
+        <p:spPr>
+          <a:xfrm>
+            <a:off x="990600" y="3028950"/>
+            <a:ext cx="1096459" cy="369332"/>
+          </a:xfrm>
+          <a:prstGeom prst="rect">
+            <a:avLst/>
+          </a:prstGeom>
+          <a:noFill/>
+        </p:spPr>
+        <p:txBody>
+          <a:bodyPr wrap="none" rtlCol="0">
+            <a:spAutoFit/>
+          </a:bodyPr>
+          <a:lstStyle/>
+          <a:p>
+            <a:r>
+              <a:rPr kumimoji="1" lang="en-US" altLang="zh-CN" dirty="0" smtClean="0"/>
+              <a:t>2</a:t>
+            </a:r>
+            <a:r>
+              <a:rPr kumimoji="1" lang="zh-CN" altLang="zh-CN" baseline="30000" dirty="0" smtClean="0"/>
+              <a:t>n</a:t>
+            </a:r>
+            <a:r>
+              <a:rPr kumimoji="1" lang="en-US" altLang="zh-CN" baseline="30000" dirty="0" smtClean="0"/>
+              <a:t>d</a:t>
+            </a:r>
+            <a:r>
+              <a:rPr kumimoji="1" lang="en-US" altLang="zh-CN" dirty="0" smtClean="0"/>
+              <a:t> epoch</a:t>
+            </a:r>
+            <a:endParaRPr kumimoji="1" lang="zh-CN" altLang="en-US" dirty="0"/>
+          </a:p>
+        </p:txBody>
+      </p:sp>
+      <p:sp>
+        <p:nvSpPr>
+          <p:cNvPr id="31" name="文本框 30"/>
+          <p:cNvSpPr txBox="1"/>
+          <p:nvPr/>
+        </p:nvSpPr>
+        <p:spPr>
+          <a:xfrm>
+            <a:off x="1066800" y="4171950"/>
+            <a:ext cx="1069223" cy="369332"/>
+          </a:xfrm>
+          <a:prstGeom prst="rect">
+            <a:avLst/>
+          </a:prstGeom>
+          <a:noFill/>
+        </p:spPr>
+        <p:txBody>
+          <a:bodyPr wrap="none" rtlCol="0">
+            <a:spAutoFit/>
+          </a:bodyPr>
+          <a:lstStyle/>
+          <a:p>
+            <a:r>
+              <a:rPr kumimoji="1" lang="en-US" altLang="zh-CN" dirty="0" smtClean="0"/>
+              <a:t>3</a:t>
+            </a:r>
+            <a:r>
+              <a:rPr kumimoji="1" lang="en-US" altLang="zh-CN" baseline="30000" dirty="0" smtClean="0"/>
+              <a:t>rd</a:t>
+            </a:r>
+            <a:r>
+              <a:rPr kumimoji="1" lang="en-US" altLang="zh-CN" dirty="0" smtClean="0"/>
+              <a:t> epoch</a:t>
+            </a:r>
+            <a:endParaRPr kumimoji="1" lang="zh-CN" altLang="en-US" dirty="0"/>
+          </a:p>
+        </p:txBody>
+      </p:sp>
+      <p:sp>
+        <p:nvSpPr>
+          <p:cNvPr id="32" name="右大括号 31"/>
+          <p:cNvSpPr/>
+          <p:nvPr/>
+        </p:nvSpPr>
+        <p:spPr>
+          <a:xfrm>
+            <a:off x="8686800" y="2038350"/>
+            <a:ext cx="457200" cy="2438400"/>
+          </a:xfrm>
+          <a:prstGeom prst="rightBrace">
+            <a:avLst>
+              <a:gd name="adj1" fmla="val 75664"/>
+              <a:gd name="adj2" fmla="val 50000"/>
+            </a:avLst>
+          </a:prstGeom>
+          <a:noFill/>
+          <a:ln w="57150" cmpd="sng">
+            <a:solidFill>
+              <a:srgbClr val="008000"/>
+            </a:solidFill>
+          </a:ln>
+        </p:spPr>
+        <p:style>
+          <a:lnRef idx="2">
+            <a:schemeClr val="accent3"/>
+          </a:lnRef>
+          <a:fillRef idx="0">
+            <a:schemeClr val="accent3"/>
+          </a:fillRef>
+          <a:effectRef idx="1">
+            <a:schemeClr val="accent3"/>
+          </a:effectRef>
+          <a:fontRef idx="minor">
+            <a:schemeClr val="tx1"/>
+          </a:fontRef>
+        </p:style>
+        <p:txBody>
+          <a:bodyPr rtlCol="0" anchor="ctr"/>
+          <a:lstStyle/>
+          <a:p>
+            <a:pPr algn="ctr"/>
+            <a:endParaRPr kumimoji="1" lang="zh-CN" altLang="en-US"/>
+          </a:p>
+        </p:txBody>
+      </p:sp>
+      <p:sp>
+        <p:nvSpPr>
+          <p:cNvPr id="33" name="文本框 32"/>
+          <p:cNvSpPr txBox="1"/>
+          <p:nvPr/>
+        </p:nvSpPr>
+        <p:spPr>
+          <a:xfrm>
+            <a:off x="9525000" y="3028950"/>
+            <a:ext cx="1615096" cy="400110"/>
+          </a:xfrm>
+          <a:prstGeom prst="rect">
+            <a:avLst/>
+          </a:prstGeom>
+          <a:noFill/>
+        </p:spPr>
+        <p:txBody>
+          <a:bodyPr wrap="none" rtlCol="0">
+            <a:spAutoFit/>
+          </a:bodyPr>
+          <a:lstStyle/>
+          <a:p>
+            <a:r>
+              <a:rPr kumimoji="1" lang="en-US" altLang="zh-CN" sz="2000" dirty="0" smtClean="0"/>
+              <a:t>Data Samples</a:t>
+            </a:r>
+            <a:endParaRPr kumimoji="1" lang="zh-CN" altLang="en-US" sz="2000" dirty="0"/>
+          </a:p>
+        </p:txBody>
+      </p:sp>
+      <p:sp>
+        <p:nvSpPr>
+          <p:cNvPr id="34" name="左大括号 33"/>
+          <p:cNvSpPr/>
+          <p:nvPr/>
+        </p:nvSpPr>
+        <p:spPr>
+          <a:xfrm rot="5400000" flipH="1">
+            <a:off x="2743200" y="1962150"/>
+            <a:ext cx="228600" cy="838200"/>
+          </a:xfrm>
+          <a:prstGeom prst="leftBrace">
+            <a:avLst/>
+          </a:prstGeom>
+          <a:ln/>
+        </p:spPr>
+        <p:style>
+          <a:lnRef idx="2">
+            <a:schemeClr val="accent3"/>
+          </a:lnRef>
+          <a:fillRef idx="0">
+            <a:schemeClr val="accent3"/>
+          </a:fillRef>
+          <a:effectRef idx="1">
+            <a:schemeClr val="accent3"/>
+          </a:effectRef>
+          <a:fontRef idx="minor">
+            <a:schemeClr val="tx1"/>
+          </a:fontRef>
+        </p:style>
+        <p:txBody>
+          <a:bodyPr rtlCol="0" anchor="ctr"/>
+          <a:lstStyle/>
+          <a:p>
+            <a:pPr algn="ctr"/>
+            <a:endParaRPr kumimoji="1" lang="zh-CN" altLang="en-US"/>
+          </a:p>
+        </p:txBody>
+      </p:sp>
+      <p:sp>
+        <p:nvSpPr>
+          <p:cNvPr id="36" name="文本框 35"/>
+          <p:cNvSpPr txBox="1"/>
+          <p:nvPr/>
+        </p:nvSpPr>
+        <p:spPr>
+          <a:xfrm>
+            <a:off x="7620000" y="1809750"/>
+            <a:ext cx="1133393" cy="461665"/>
+          </a:xfrm>
+          <a:prstGeom prst="rect">
+            <a:avLst/>
+          </a:prstGeom>
+          <a:noFill/>
+        </p:spPr>
+        <p:txBody>
+          <a:bodyPr wrap="none" rtlCol="0">
+            <a:spAutoFit/>
+          </a:bodyPr>
+          <a:lstStyle/>
+          <a:p>
+            <a:r>
+              <a:rPr kumimoji="1" lang="en-US" altLang="zh-CN" sz="2400" dirty="0" smtClean="0"/>
+              <a:t>Dataset</a:t>
+            </a:r>
+            <a:endParaRPr kumimoji="1" lang="zh-CN" altLang="en-US" sz="2400" dirty="0"/>
+          </a:p>
+        </p:txBody>
+      </p:sp>
+      <p:sp>
+        <p:nvSpPr>
+          <p:cNvPr id="37" name="左大括号 36"/>
+          <p:cNvSpPr/>
+          <p:nvPr/>
+        </p:nvSpPr>
+        <p:spPr>
+          <a:xfrm rot="5400000">
+            <a:off x="4572000" y="-781050"/>
+            <a:ext cx="609600" cy="4876800"/>
+          </a:xfrm>
+          <a:prstGeom prst="leftBrace">
+            <a:avLst/>
+          </a:prstGeom>
+          <a:ln w="76200" cmpd="sng"/>
+        </p:spPr>
+        <p:style>
+          <a:lnRef idx="2">
+            <a:schemeClr val="accent6"/>
+          </a:lnRef>
+          <a:fillRef idx="0">
+            <a:schemeClr val="accent6"/>
+          </a:fillRef>
+          <a:effectRef idx="1">
+            <a:schemeClr val="accent6"/>
+          </a:effectRef>
+          <a:fontRef idx="minor">
+            <a:schemeClr val="tx1"/>
+          </a:fontRef>
+        </p:style>
+        <p:txBody>
+          <a:bodyPr rtlCol="0" anchor="ctr"/>
+          <a:lstStyle/>
+          <a:p>
+            <a:pPr algn="ctr"/>
+            <a:endParaRPr kumimoji="1" lang="zh-CN" altLang="en-US"/>
+          </a:p>
+        </p:txBody>
+      </p:sp>
+      <p:sp>
+        <p:nvSpPr>
+          <p:cNvPr id="39" name="文本框 38"/>
+          <p:cNvSpPr txBox="1"/>
+          <p:nvPr/>
+        </p:nvSpPr>
+        <p:spPr>
+          <a:xfrm>
+            <a:off x="2332163" y="2419350"/>
+            <a:ext cx="1760255" cy="369332"/>
+          </a:xfrm>
+          <a:prstGeom prst="rect">
+            <a:avLst/>
+          </a:prstGeom>
+          <a:noFill/>
+        </p:spPr>
+        <p:txBody>
+          <a:bodyPr wrap="none" rtlCol="0">
+            <a:spAutoFit/>
+          </a:bodyPr>
+          <a:lstStyle/>
+          <a:p>
+            <a:r>
+              <a:rPr kumimoji="1" lang="en-US" altLang="zh-CN" dirty="0" smtClean="0"/>
+              <a:t>Batch size = 500</a:t>
+            </a:r>
+            <a:endParaRPr kumimoji="1" lang="zh-CN" altLang="en-US" dirty="0"/>
+          </a:p>
+        </p:txBody>
+      </p:sp>
+      <p:sp>
+        <p:nvSpPr>
+          <p:cNvPr id="40" name="文本框 39"/>
+          <p:cNvSpPr txBox="1"/>
+          <p:nvPr/>
+        </p:nvSpPr>
+        <p:spPr>
+          <a:xfrm>
+            <a:off x="-7404" y="3105150"/>
+            <a:ext cx="907032" cy="369332"/>
+          </a:xfrm>
+          <a:prstGeom prst="rect">
+            <a:avLst/>
+          </a:prstGeom>
+          <a:noFill/>
+        </p:spPr>
+        <p:txBody>
+          <a:bodyPr wrap="none" rtlCol="0">
+            <a:spAutoFit/>
+          </a:bodyPr>
+          <a:lstStyle/>
+          <a:p>
+            <a:r>
+              <a:rPr kumimoji="1" lang="en-US" altLang="zh-CN" dirty="0" smtClean="0"/>
+              <a:t>Training</a:t>
+            </a:r>
+            <a:endParaRPr kumimoji="1" lang="zh-CN" altLang="en-US" dirty="0"/>
+          </a:p>
+        </p:txBody>
+      </p:sp>
+      <p:sp>
+        <p:nvSpPr>
+          <p:cNvPr id="41" name="文本框 40"/>
+          <p:cNvSpPr txBox="1"/>
+          <p:nvPr/>
+        </p:nvSpPr>
+        <p:spPr>
+          <a:xfrm>
+            <a:off x="7620000" y="2952750"/>
+            <a:ext cx="1133393" cy="461665"/>
+          </a:xfrm>
+          <a:prstGeom prst="rect">
+            <a:avLst/>
+          </a:prstGeom>
+          <a:noFill/>
+        </p:spPr>
+        <p:txBody>
+          <a:bodyPr wrap="none" rtlCol="0">
+            <a:spAutoFit/>
+          </a:bodyPr>
+          <a:lstStyle/>
+          <a:p>
+            <a:r>
+              <a:rPr kumimoji="1" lang="en-US" altLang="zh-CN" sz="2400" dirty="0" smtClean="0"/>
+              <a:t>Dataset</a:t>
+            </a:r>
+            <a:endParaRPr kumimoji="1" lang="zh-CN" altLang="en-US" sz="2400" dirty="0"/>
+          </a:p>
+        </p:txBody>
+      </p:sp>
+      <p:sp>
+        <p:nvSpPr>
+          <p:cNvPr id="42" name="文本框 41"/>
+          <p:cNvSpPr txBox="1"/>
+          <p:nvPr/>
+        </p:nvSpPr>
+        <p:spPr>
+          <a:xfrm>
+            <a:off x="7620000" y="4171950"/>
+            <a:ext cx="1133393" cy="461665"/>
+          </a:xfrm>
+          <a:prstGeom prst="rect">
+            <a:avLst/>
+          </a:prstGeom>
+          <a:noFill/>
+        </p:spPr>
+        <p:txBody>
+          <a:bodyPr wrap="none" rtlCol="0">
+            <a:spAutoFit/>
+          </a:bodyPr>
+          <a:lstStyle/>
+          <a:p>
+            <a:r>
+              <a:rPr kumimoji="1" lang="en-US" altLang="zh-CN" sz="2400" dirty="0" smtClean="0"/>
+              <a:t>Dataset</a:t>
+            </a:r>
+            <a:endParaRPr kumimoji="1" lang="zh-CN" altLang="en-US" sz="2400" dirty="0"/>
+          </a:p>
+        </p:txBody>
+      </p:sp>
+      <p:sp>
+        <p:nvSpPr>
+          <p:cNvPr id="43" name="文本框 42"/>
+          <p:cNvSpPr txBox="1"/>
+          <p:nvPr/>
+        </p:nvSpPr>
+        <p:spPr>
+          <a:xfrm>
+            <a:off x="3810000" y="895350"/>
+            <a:ext cx="2164299" cy="523220"/>
+          </a:xfrm>
+          <a:prstGeom prst="rect">
+            <a:avLst/>
+          </a:prstGeom>
+          <a:noFill/>
+        </p:spPr>
+        <p:txBody>
+          <a:bodyPr wrap="none" rtlCol="0">
+            <a:spAutoFit/>
+          </a:bodyPr>
+          <a:lstStyle/>
+          <a:p>
+            <a:r>
+              <a:rPr kumimoji="1" lang="en-US" altLang="zh-CN" sz="2800" dirty="0" smtClean="0"/>
+              <a:t>#Iterations=5</a:t>
+            </a:r>
+            <a:endParaRPr kumimoji="1" lang="zh-CN" altLang="en-US" sz="2800" dirty="0"/>
+          </a:p>
+        </p:txBody>
+      </p:sp>
+      <p:sp>
+        <p:nvSpPr>
+          <p:cNvPr id="44" name="文本框 43"/>
+          <p:cNvSpPr txBox="1"/>
+          <p:nvPr/>
+        </p:nvSpPr>
+        <p:spPr>
+          <a:xfrm>
+            <a:off x="3733800" y="514350"/>
+            <a:ext cx="2759364" cy="523220"/>
+          </a:xfrm>
+          <a:prstGeom prst="rect">
+            <a:avLst/>
+          </a:prstGeom>
+          <a:noFill/>
+        </p:spPr>
+        <p:txBody>
+          <a:bodyPr wrap="none" rtlCol="0">
+            <a:spAutoFit/>
+          </a:bodyPr>
+          <a:lstStyle/>
+          <a:p>
+            <a:r>
+              <a:rPr kumimoji="1" lang="en-US" altLang="zh-CN" sz="2800" dirty="0" smtClean="0"/>
+              <a:t>Data size = 2500</a:t>
+            </a:r>
+            <a:endParaRPr kumimoji="1" lang="zh-CN" altLang="en-US" sz="2800" dirty="0"/>
+          </a:p>
+        </p:txBody>
+      </p:sp>
+    </p:spTree>
+    <p:extLst>
+      <p:ext uri="{BB962C8B-B14F-4D97-AF65-F5344CB8AC3E}">
+        <p14:creationId xmlns:p14="http://schemas.microsoft.com/office/powerpoint/2010/main" val="1936025882"/>
+      </p:ext>
+    </p:extLst>
+  </p:cSld>
+  <p:clrMapOvr>
+    <a:masterClrMapping/>
+  </p:clrMapOvr>
+</p:sld>
+</file>
+
+<file path=ppt/slides/slide4.xml><?xml version="1.0" encoding="utf-8"?>
+<p:sld xmlns:a="http://schemas.openxmlformats.org/drawingml/2006/main" xmlns:r="http://schemas.openxmlformats.org/officeDocument/2006/relationships" xmlns:p="http://schemas.openxmlformats.org/presentationml/2006/main">
+  <p:cSld>
+    <p:spTree>
+      <p:nvGrpSpPr>
+        <p:cNvPr id="1" name=""/>
+        <p:cNvGrpSpPr/>
+        <p:nvPr/>
+      </p:nvGrpSpPr>
+      <p:grpSpPr>
+        <a:xfrm>
+          <a:off x="0" y="0"/>
+          <a:ext cx="0" cy="0"/>
+          <a:chOff x="0" y="0"/>
+          <a:chExt cx="0" cy="0"/>
+        </a:xfrm>
+      </p:grpSpPr>
+      <p:sp>
+        <p:nvSpPr>
+          <p:cNvPr id="2" name="标题 1"/>
+          <p:cNvSpPr>
+            <a:spLocks noGrp="1"/>
+          </p:cNvSpPr>
+          <p:nvPr>
+            <p:ph type="title"/>
+          </p:nvPr>
+        </p:nvSpPr>
+        <p:spPr/>
+        <p:txBody>
+          <a:bodyPr/>
+          <a:lstStyle/>
+          <a:p>
+            <a:endParaRPr kumimoji="1" lang="zh-CN" altLang="en-US"/>
+          </a:p>
+        </p:txBody>
+      </p:sp>
+      <p:pic>
+        <p:nvPicPr>
+          <p:cNvPr id="4" name="图片 3"/>
+          <p:cNvPicPr>
+            <a:picLocks noChangeAspect="1"/>
+          </p:cNvPicPr>
+          <p:nvPr/>
+        </p:nvPicPr>
+        <p:blipFill>
+          <a:blip r:embed="rId2"/>
+          <a:stretch>
+            <a:fillRect/>
+          </a:stretch>
+        </p:blipFill>
+        <p:spPr>
+          <a:xfrm>
+            <a:off x="-914400" y="2724150"/>
+            <a:ext cx="9144000" cy="2786962"/>
+          </a:xfrm>
+          <a:prstGeom prst="rect">
+            <a:avLst/>
+          </a:prstGeom>
+        </p:spPr>
+      </p:pic>
+      <p:pic>
+        <p:nvPicPr>
+          <p:cNvPr id="5" name="图片 4"/>
+          <p:cNvPicPr>
+            <a:picLocks noChangeAspect="1"/>
+          </p:cNvPicPr>
+          <p:nvPr/>
+        </p:nvPicPr>
+        <p:blipFill>
+          <a:blip r:embed="rId3"/>
+          <a:stretch>
+            <a:fillRect/>
+          </a:stretch>
+        </p:blipFill>
+        <p:spPr>
+          <a:xfrm>
+            <a:off x="-914400" y="-2381250"/>
+            <a:ext cx="9144000" cy="5143500"/>
+          </a:xfrm>
+          <a:prstGeom prst="rect">
+            <a:avLst/>
+          </a:prstGeom>
+        </p:spPr>
+      </p:pic>
+    </p:spTree>
+    <p:extLst>
+      <p:ext uri="{BB962C8B-B14F-4D97-AF65-F5344CB8AC3E}">
+        <p14:creationId xmlns:p14="http://schemas.microsoft.com/office/powerpoint/2010/main" val="667439461"/>
       </p:ext>
     </p:extLst>
   </p:cSld>
